--- a/Documentation/Презентация Astario.pptx
+++ b/Documentation/Презентация Astario.pptx
@@ -138,7 +138,7 @@
 <file path=ppt/revisionInfo.xml><?xml version="1.0" encoding="utf-8"?>
 <p1510:revInfo xmlns:a="http://schemas.openxmlformats.org/drawingml/2006/main" xmlns:r="http://schemas.openxmlformats.org/officeDocument/2006/relationships" xmlns:p1510="http://schemas.microsoft.com/office/powerpoint/2015/10/main">
   <p1510:revLst>
-    <p1510:client id="{1B3DA76B-E307-4BBE-8F8A-623015B1A73C}" v="51" dt="2023-03-31T16:16:33.983"/>
+    <p1510:client id="{1B3DA76B-E307-4BBE-8F8A-623015B1A73C}" v="55" dt="2023-03-31T16:38:15.639"/>
     <p1510:client id="{3E747A4C-7EC8-4533-8BF9-4D89E7E160D5}" v="18" dt="2023-03-29T09:42:01.604"/>
     <p1510:client id="{4C127A48-429E-4EE1-968B-5F99D895D4C1}" v="283" dt="2023-03-28T13:11:42.569"/>
     <p1510:client id="{538CB37B-60CD-4944-ADA1-2547A71FA8DE}" v="306" dt="2023-03-29T21:34:49.316"/>
@@ -4528,7 +4528,7 @@
                 <a:ea typeface="+mj-lt"/>
                 <a:cs typeface="+mj-lt"/>
               </a:rPr>
-              <a:t>Макет страниц создания поста</a:t>
+              <a:t>Макет страницы создания поста</a:t>
             </a:r>
             <a:endParaRPr lang="ru-RU" dirty="0"/>
           </a:p>
@@ -6700,7 +6700,7 @@
                 <a:ea typeface="+mj-lt"/>
                 <a:cs typeface="+mj-lt"/>
               </a:rPr>
-              <a:t>Макет страниц поста</a:t>
+              <a:t>Макет страницы поста</a:t>
             </a:r>
             <a:endParaRPr lang="ru-RU" dirty="0"/>
           </a:p>
